--- a/AngularJS/lesson_15/Presentation/services_2.pptx
+++ b/AngularJS/lesson_15/Presentation/services_2.pptx
@@ -212,7 +212,7 @@
           <a:p>
             <a:fld id="{4C8CEA55-1566-48ED-86A8-062DBB6EDD19}" type="datetimeFigureOut">
               <a:rPr lang="uk-UA" smtClean="0"/>
-              <a:t>21.08.2016</a:t>
+              <a:t>18.04.2017</a:t>
             </a:fld>
             <a:endParaRPr lang="uk-UA"/>
           </a:p>
@@ -2791,7 +2791,7 @@
         <p:spPr>
           <a:xfrm>
             <a:off x="457200" y="1484784"/>
-            <a:ext cx="8435280" cy="2946400"/>
+            <a:ext cx="8435280" cy="3312368"/>
           </a:xfrm>
         </p:spPr>
         <p:txBody>
@@ -2911,6 +2911,12 @@
               <a:t>jqLite</a:t>
             </a:r>
             <a:r>
+              <a:rPr lang="en-US" sz="1800" dirty="0">
+                <a:latin typeface="Calibri" pitchFamily="34" charset="0"/>
+              </a:rPr>
+              <a:t> </a:t>
+            </a:r>
+            <a:r>
               <a:rPr lang="uk-UA" sz="1800" dirty="0" err="1">
                 <a:latin typeface="Calibri" pitchFamily="34" charset="0"/>
               </a:rPr>
@@ -3168,7 +3174,19 @@
               <a:rPr lang="uk-UA" sz="1800" dirty="0" err="1">
                 <a:latin typeface="Calibri" pitchFamily="34" charset="0"/>
               </a:rPr>
-              <a:t>скроллаокна</a:t>
+              <a:t>скролла</a:t>
+            </a:r>
+            <a:r>
+              <a:rPr lang="en-US" sz="1800" dirty="0">
+                <a:latin typeface="Calibri" pitchFamily="34" charset="0"/>
+              </a:rPr>
+              <a:t> </a:t>
+            </a:r>
+            <a:r>
+              <a:rPr lang="uk-UA" sz="1800" dirty="0" err="1">
+                <a:latin typeface="Calibri" pitchFamily="34" charset="0"/>
+              </a:rPr>
+              <a:t>окна</a:t>
             </a:r>
             <a:r>
               <a:rPr lang="uk-UA" sz="1800" dirty="0">
@@ -3335,7 +3353,7 @@
         <p:spPr>
           <a:xfrm>
             <a:off x="457200" y="2006600"/>
-            <a:ext cx="7715200" cy="2946400"/>
+            <a:ext cx="7715200" cy="2790552"/>
           </a:xfrm>
         </p:spPr>
         <p:txBody>
@@ -3583,10 +3601,16 @@
           <a:lstStyle/>
           <a:p>
             <a:r>
-              <a:rPr lang="ru-RU" dirty="0"/>
+              <a:rPr lang="ru-RU" dirty="0">
+                <a:latin typeface="Calibri" panose="020F0502020204030204" pitchFamily="34" charset="0"/>
+                <a:cs typeface="Calibri" panose="020F0502020204030204" pitchFamily="34" charset="0"/>
+              </a:rPr>
               <a:t>Сервисы для обработки ошибок</a:t>
             </a:r>
-            <a:endParaRPr lang="uk-UA" dirty="0"/>
+            <a:endParaRPr lang="uk-UA" dirty="0">
+              <a:latin typeface="Calibri" panose="020F0502020204030204" pitchFamily="34" charset="0"/>
+              <a:cs typeface="Calibri" panose="020F0502020204030204" pitchFamily="34" charset="0"/>
+            </a:endParaRPr>
           </a:p>
         </p:txBody>
       </p:sp>
@@ -3654,7 +3678,7 @@
               <a:rPr lang="en-US" sz="1800" dirty="0">
                 <a:latin typeface="Calibri" pitchFamily="34" charset="0"/>
               </a:rPr>
-              <a:t>try…catch</a:t>
+              <a:t>try…catch)</a:t>
             </a:r>
             <a:endParaRPr lang="uk-UA" sz="1800" dirty="0">
               <a:latin typeface="Calibri" pitchFamily="34" charset="0"/>
@@ -3862,16 +3886,22 @@
               <a:t>      </a:t>
             </a:r>
             <a:r>
-              <a:rPr lang="en-US" sz="1800" dirty="0">
+              <a:rPr lang="en-US" sz="1800">
                 <a:latin typeface="Calibri" pitchFamily="34" charset="0"/>
               </a:rPr>
               <a:t>put(</a:t>
             </a:r>
             <a:r>
-              <a:rPr lang="en-US" sz="1800" dirty="0" err="1">
-                <a:latin typeface="Calibri" pitchFamily="34" charset="0"/>
-              </a:rPr>
-              <a:t>key,value</a:t>
+              <a:rPr lang="en-US" sz="1800" err="1">
+                <a:latin typeface="Calibri" pitchFamily="34" charset="0"/>
+              </a:rPr>
+              <a:t>key</a:t>
+            </a:r>
+            <a:r>
+              <a:rPr lang="en-US" sz="1800">
+                <a:latin typeface="Calibri" pitchFamily="34" charset="0"/>
+              </a:rPr>
+              <a:t>, value</a:t>
             </a:r>
             <a:r>
               <a:rPr lang="en-US" sz="1800" dirty="0">
